--- a/docs/Behaviour-Driven Development.pptx
+++ b/docs/Behaviour-Driven Development.pptx
@@ -107,6 +107,11 @@
       </a:defRPr>
     </a:lvl9pPr>
   </p:defaultTextStyle>
+  <p:extLst>
+    <p:ext uri="{EFAFB233-063F-42B5-8137-9DF3F51BA10A}">
+      <p15:sldGuideLst xmlns:p15="http://schemas.microsoft.com/office/powerpoint/2012/main"/>
+    </p:ext>
+  </p:extLst>
 </p:presentation>
 </file>
 
@@ -241,7 +246,7 @@
           <a:p>
             <a:fld id="{D54B33FF-E5C1-49C8-AABC-C4D3F6D077BA}" type="datetimeFigureOut">
               <a:rPr lang="de-DE" smtClean="0"/>
-              <a:t>20.01.2016</a:t>
+              <a:t>22.01.2016</a:t>
             </a:fld>
             <a:endParaRPr lang="de-DE"/>
           </a:p>
@@ -411,7 +416,7 @@
           <a:p>
             <a:fld id="{D54B33FF-E5C1-49C8-AABC-C4D3F6D077BA}" type="datetimeFigureOut">
               <a:rPr lang="de-DE" smtClean="0"/>
-              <a:t>21.01.2016</a:t>
+              <a:t>22.01.2016</a:t>
             </a:fld>
             <a:endParaRPr lang="de-DE"/>
           </a:p>
@@ -591,7 +596,7 @@
           <a:p>
             <a:fld id="{D54B33FF-E5C1-49C8-AABC-C4D3F6D077BA}" type="datetimeFigureOut">
               <a:rPr lang="de-DE" smtClean="0"/>
-              <a:t>21.01.2016</a:t>
+              <a:t>22.01.2016</a:t>
             </a:fld>
             <a:endParaRPr lang="de-DE"/>
           </a:p>
@@ -761,7 +766,7 @@
           <a:p>
             <a:fld id="{D54B33FF-E5C1-49C8-AABC-C4D3F6D077BA}" type="datetimeFigureOut">
               <a:rPr lang="de-DE" smtClean="0"/>
-              <a:t>21.01.2016</a:t>
+              <a:t>22.01.2016</a:t>
             </a:fld>
             <a:endParaRPr lang="de-DE"/>
           </a:p>
@@ -1007,7 +1012,7 @@
           <a:p>
             <a:fld id="{D54B33FF-E5C1-49C8-AABC-C4D3F6D077BA}" type="datetimeFigureOut">
               <a:rPr lang="de-DE" smtClean="0"/>
-              <a:t>21.01.2016</a:t>
+              <a:t>22.01.2016</a:t>
             </a:fld>
             <a:endParaRPr lang="de-DE"/>
           </a:p>
@@ -1239,7 +1244,7 @@
           <a:p>
             <a:fld id="{D54B33FF-E5C1-49C8-AABC-C4D3F6D077BA}" type="datetimeFigureOut">
               <a:rPr lang="de-DE" smtClean="0"/>
-              <a:t>21.01.2016</a:t>
+              <a:t>22.01.2016</a:t>
             </a:fld>
             <a:endParaRPr lang="de-DE"/>
           </a:p>
@@ -1606,7 +1611,7 @@
           <a:p>
             <a:fld id="{D54B33FF-E5C1-49C8-AABC-C4D3F6D077BA}" type="datetimeFigureOut">
               <a:rPr lang="de-DE" smtClean="0"/>
-              <a:t>21.01.2016</a:t>
+              <a:t>22.01.2016</a:t>
             </a:fld>
             <a:endParaRPr lang="de-DE"/>
           </a:p>
@@ -1724,7 +1729,7 @@
           <a:p>
             <a:fld id="{D54B33FF-E5C1-49C8-AABC-C4D3F6D077BA}" type="datetimeFigureOut">
               <a:rPr lang="de-DE" smtClean="0"/>
-              <a:t>21.01.2016</a:t>
+              <a:t>22.01.2016</a:t>
             </a:fld>
             <a:endParaRPr lang="de-DE"/>
           </a:p>
@@ -1819,7 +1824,7 @@
           <a:p>
             <a:fld id="{D54B33FF-E5C1-49C8-AABC-C4D3F6D077BA}" type="datetimeFigureOut">
               <a:rPr lang="de-DE" smtClean="0"/>
-              <a:t>21.01.2016</a:t>
+              <a:t>22.01.2016</a:t>
             </a:fld>
             <a:endParaRPr lang="de-DE"/>
           </a:p>
@@ -2096,7 +2101,7 @@
           <a:p>
             <a:fld id="{D54B33FF-E5C1-49C8-AABC-C4D3F6D077BA}" type="datetimeFigureOut">
               <a:rPr lang="de-DE" smtClean="0"/>
-              <a:t>21.01.2016</a:t>
+              <a:t>22.01.2016</a:t>
             </a:fld>
             <a:endParaRPr lang="de-DE"/>
           </a:p>
@@ -2349,7 +2354,7 @@
           <a:p>
             <a:fld id="{D54B33FF-E5C1-49C8-AABC-C4D3F6D077BA}" type="datetimeFigureOut">
               <a:rPr lang="de-DE" smtClean="0"/>
-              <a:t>21.01.2016</a:t>
+              <a:t>22.01.2016</a:t>
             </a:fld>
             <a:endParaRPr lang="de-DE"/>
           </a:p>
@@ -2562,7 +2567,7 @@
           <a:p>
             <a:fld id="{D54B33FF-E5C1-49C8-AABC-C4D3F6D077BA}" type="datetimeFigureOut">
               <a:rPr lang="de-DE" smtClean="0"/>
-              <a:t>20.01.2016</a:t>
+              <a:t>22.01.2016</a:t>
             </a:fld>
             <a:endParaRPr lang="de-DE"/>
           </a:p>
@@ -3145,8 +3150,8 @@
         </p:nvSpPr>
         <p:spPr>
           <a:xfrm>
-            <a:off x="513347" y="827856"/>
-            <a:ext cx="3505200" cy="646331"/>
+            <a:off x="535921" y="750241"/>
+            <a:ext cx="3505200" cy="923330"/>
           </a:xfrm>
           <a:prstGeom prst="rect">
             <a:avLst/>
@@ -3159,16 +3164,34 @@
           <a:lstStyle/>
           <a:p>
             <a:r>
+              <a:rPr lang="de-DE" dirty="0" smtClean="0"/>
+              <a:t>Extreme </a:t>
+            </a:r>
+            <a:r>
+              <a:rPr lang="de-DE" dirty="0" err="1" smtClean="0"/>
+              <a:t>Programming</a:t>
+            </a:r>
+            <a:r>
+              <a:rPr lang="de-DE" dirty="0" smtClean="0"/>
+              <a:t> (XP)</a:t>
+            </a:r>
+          </a:p>
+          <a:p>
+            <a:r>
+              <a:rPr lang="de-DE" dirty="0" smtClean="0"/>
+              <a:t>Test-</a:t>
+            </a:r>
+            <a:r>
+              <a:rPr lang="de-DE" dirty="0" err="1" smtClean="0"/>
+              <a:t>Driven</a:t>
+            </a:r>
+            <a:r>
+              <a:rPr lang="de-DE" dirty="0" smtClean="0"/>
+              <a:t> </a:t>
+            </a:r>
+            <a:r>
               <a:rPr lang="de-DE" dirty="0"/>
-              <a:t>Test-</a:t>
-            </a:r>
-            <a:r>
-              <a:rPr lang="de-DE" dirty="0" err="1"/>
-              <a:t>Driven</a:t>
-            </a:r>
-            <a:r>
-              <a:rPr lang="de-DE" dirty="0"/>
-              <a:t> Development (TDD)</a:t>
+              <a:t>Development (TDD)</a:t>
             </a:r>
           </a:p>
           <a:p>
@@ -3199,8 +3222,8 @@
         </p:nvSpPr>
         <p:spPr>
           <a:xfrm>
-            <a:off x="1849570" y="5262263"/>
-            <a:ext cx="1225785" cy="646331"/>
+            <a:off x="849098" y="4187353"/>
+            <a:ext cx="1160895" cy="369332"/>
           </a:xfrm>
           <a:prstGeom prst="rect">
             <a:avLst/>
@@ -3213,33 +3236,14 @@
           <a:lstStyle/>
           <a:p>
             <a:r>
-              <a:rPr lang="de-DE" dirty="0" smtClean="0">
-                <a:solidFill>
-                  <a:srgbClr val="000000"/>
-                </a:solidFill>
-                <a:effectLst/>
-                <a:latin typeface="Calibri" panose="020F0502020204030204" pitchFamily="34" charset="0"/>
-              </a:rPr>
-              <a:t>Outside-in</a:t>
-            </a:r>
-          </a:p>
-          <a:p>
-            <a:r>
-              <a:rPr lang="de-DE" dirty="0" err="1" smtClean="0">
+              <a:rPr lang="de-DE" dirty="0">
                 <a:solidFill>
                   <a:srgbClr val="000000"/>
                 </a:solidFill>
                 <a:latin typeface="Calibri" panose="020F0502020204030204" pitchFamily="34" charset="0"/>
               </a:rPr>
-              <a:t>Readability</a:t>
-            </a:r>
-            <a:endParaRPr lang="de-DE" dirty="0">
-              <a:solidFill>
-                <a:srgbClr val="000000"/>
-              </a:solidFill>
-              <a:effectLst/>
-              <a:latin typeface="Calibri" panose="020F0502020204030204" pitchFamily="34" charset="0"/>
-            </a:endParaRPr>
+              <a:t>Outside-in</a:t>
+            </a:r>
           </a:p>
         </p:txBody>
       </p:sp>
@@ -3650,7 +3654,7 @@
         </p:nvCxnSpPr>
         <p:spPr>
           <a:xfrm flipH="1">
-            <a:off x="6230868" y="689811"/>
+            <a:off x="6407331" y="554521"/>
             <a:ext cx="619111" cy="1980836"/>
           </a:xfrm>
           <a:prstGeom prst="line">
@@ -3732,6 +3736,95 @@
           </a:fontRef>
         </p:style>
       </p:cxnSp>
+      <p:sp>
+        <p:nvSpPr>
+          <p:cNvPr id="14" name="Rechteck 13"/>
+          <p:cNvSpPr/>
+          <p:nvPr/>
+        </p:nvSpPr>
+        <p:spPr>
+          <a:xfrm>
+            <a:off x="1608683" y="5175976"/>
+            <a:ext cx="2127634" cy="369332"/>
+          </a:xfrm>
+          <a:prstGeom prst="rect">
+            <a:avLst/>
+          </a:prstGeom>
+        </p:spPr>
+        <p:txBody>
+          <a:bodyPr wrap="none">
+            <a:spAutoFit/>
+          </a:bodyPr>
+          <a:lstStyle/>
+          <a:p>
+            <a:r>
+              <a:rPr lang="de-DE" dirty="0" smtClean="0">
+                <a:solidFill>
+                  <a:srgbClr val="000000"/>
+                </a:solidFill>
+                <a:latin typeface="Calibri" panose="020F0502020204030204" pitchFamily="34" charset="0"/>
+              </a:rPr>
+              <a:t>Observable </a:t>
+            </a:r>
+            <a:r>
+              <a:rPr lang="de-DE" dirty="0" err="1" smtClean="0">
+                <a:solidFill>
+                  <a:srgbClr val="000000"/>
+                </a:solidFill>
+                <a:latin typeface="Calibri" panose="020F0502020204030204" pitchFamily="34" charset="0"/>
+              </a:rPr>
+              <a:t>Behavior</a:t>
+            </a:r>
+            <a:endParaRPr lang="de-DE" dirty="0">
+              <a:solidFill>
+                <a:srgbClr val="000000"/>
+              </a:solidFill>
+              <a:effectLst/>
+              <a:latin typeface="Calibri" panose="020F0502020204030204" pitchFamily="34" charset="0"/>
+            </a:endParaRPr>
+          </a:p>
+        </p:txBody>
+      </p:sp>
+      <p:sp>
+        <p:nvSpPr>
+          <p:cNvPr id="17" name="Rechteck 16"/>
+          <p:cNvSpPr/>
+          <p:nvPr/>
+        </p:nvSpPr>
+        <p:spPr>
+          <a:xfrm>
+            <a:off x="4317555" y="5890520"/>
+            <a:ext cx="1225785" cy="369332"/>
+          </a:xfrm>
+          <a:prstGeom prst="rect">
+            <a:avLst/>
+          </a:prstGeom>
+        </p:spPr>
+        <p:txBody>
+          <a:bodyPr wrap="none">
+            <a:spAutoFit/>
+          </a:bodyPr>
+          <a:lstStyle/>
+          <a:p>
+            <a:r>
+              <a:rPr lang="de-DE" dirty="0" err="1" smtClean="0">
+                <a:solidFill>
+                  <a:srgbClr val="000000"/>
+                </a:solidFill>
+                <a:latin typeface="Calibri" panose="020F0502020204030204" pitchFamily="34" charset="0"/>
+              </a:rPr>
+              <a:t>Readability</a:t>
+            </a:r>
+            <a:endParaRPr lang="de-DE" dirty="0">
+              <a:solidFill>
+                <a:srgbClr val="000000"/>
+              </a:solidFill>
+              <a:effectLst/>
+              <a:latin typeface="Calibri" panose="020F0502020204030204" pitchFamily="34" charset="0"/>
+            </a:endParaRPr>
+          </a:p>
+        </p:txBody>
+      </p:sp>
     </p:spTree>
     <p:extLst>
       <p:ext uri="{BB962C8B-B14F-4D97-AF65-F5344CB8AC3E}">
